--- a/Later/Java_Later/MongoDB_2/74/Data Modelling in MongoDB.pptx
+++ b/Later/Java_Later/MongoDB_2/74/Data Modelling in MongoDB.pptx
@@ -5803,7 +5803,7 @@
         <p:spPr>
           <a:xfrm>
             <a:off x="3876521" y="2440927"/>
-            <a:ext cx="2082365" cy="276999"/>
+            <a:ext cx="2394951" cy="276999"/>
           </a:xfrm>
           <a:prstGeom prst="rect">
             <a:avLst/>
@@ -5831,7 +5831,7 @@
           <a:p>
             <a:r>
               <a:rPr lang="en-US" sz="1200" dirty="0"/>
-              <a:t>Address embedded Document</a:t>
+              <a:t>Address embedded  Sub-Document</a:t>
             </a:r>
           </a:p>
         </p:txBody>
@@ -5851,7 +5851,7 @@
         <p:spPr>
           <a:xfrm>
             <a:off x="5167775" y="3716793"/>
-            <a:ext cx="2065117" cy="276999"/>
+            <a:ext cx="2342436" cy="276999"/>
           </a:xfrm>
           <a:prstGeom prst="rect">
             <a:avLst/>
@@ -5879,7 +5879,7 @@
           <a:p>
             <a:r>
               <a:rPr lang="en-US" sz="1200" dirty="0"/>
-              <a:t>Contact embedded Document</a:t>
+              <a:t>Contact embedded Sub-Document</a:t>
             </a:r>
           </a:p>
         </p:txBody>
